--- a/工作日報_葉柏漢/2021.10/2021.10.09(假日加班)工作日報_葉柏漢.pptx
+++ b/工作日報_葉柏漢/2021.10/2021.10.09(假日加班)工作日報_葉柏漢.pptx
@@ -213,7 +213,7 @@
           <a:p>
             <a:fld id="{5F45278C-940B-4C39-9CBC-669F45D4F0E2}" type="datetimeFigureOut">
               <a:rPr lang="zh-CN" altLang="en-US" smtClean="0"/>
-              <a:t>2021/10/7</a:t>
+              <a:t>2021/10/8</a:t>
             </a:fld>
             <a:endParaRPr lang="zh-CN" altLang="en-US"/>
           </a:p>
@@ -778,7 +778,7 @@
           <a:p>
             <a:fld id="{D997B5FA-0921-464F-AAE1-844C04324D75}" type="datetimeFigureOut">
               <a:rPr lang="zh-CN" altLang="en-US" smtClean="0"/>
-              <a:t>2021/10/7</a:t>
+              <a:t>2021/10/8</a:t>
             </a:fld>
             <a:endParaRPr lang="zh-CN" altLang="en-US"/>
           </a:p>
@@ -958,7 +958,7 @@
           <a:p>
             <a:fld id="{D997B5FA-0921-464F-AAE1-844C04324D75}" type="datetimeFigureOut">
               <a:rPr lang="zh-CN" altLang="en-US" smtClean="0"/>
-              <a:t>2021/10/7</a:t>
+              <a:t>2021/10/8</a:t>
             </a:fld>
             <a:endParaRPr lang="zh-CN" altLang="en-US"/>
           </a:p>
@@ -1148,7 +1148,7 @@
           <a:p>
             <a:fld id="{D997B5FA-0921-464F-AAE1-844C04324D75}" type="datetimeFigureOut">
               <a:rPr lang="zh-CN" altLang="en-US" smtClean="0"/>
-              <a:t>2021/10/7</a:t>
+              <a:t>2021/10/8</a:t>
             </a:fld>
             <a:endParaRPr lang="zh-CN" altLang="en-US"/>
           </a:p>
@@ -1359,7 +1359,7 @@
                 </a:solidFill>
               </a:rPr>
               <a:pPr/>
-              <a:t>2021/10/7</a:t>
+              <a:t>2021/10/8</a:t>
             </a:fld>
             <a:endParaRPr lang="zh-CN" altLang="en-US">
               <a:solidFill>
@@ -1591,7 +1591,7 @@
                 </a:solidFill>
               </a:rPr>
               <a:pPr/>
-              <a:t>2021/10/7</a:t>
+              <a:t>2021/10/8</a:t>
             </a:fld>
             <a:endParaRPr lang="zh-CN" altLang="en-US">
               <a:solidFill>
@@ -1822,7 +1822,7 @@
           <a:p>
             <a:fld id="{D997B5FA-0921-464F-AAE1-844C04324D75}" type="datetimeFigureOut">
               <a:rPr lang="zh-CN" altLang="en-US" smtClean="0"/>
-              <a:t>2021/10/7</a:t>
+              <a:t>2021/10/8</a:t>
             </a:fld>
             <a:endParaRPr lang="zh-CN" altLang="en-US"/>
           </a:p>
@@ -2079,7 +2079,7 @@
           <a:p>
             <a:fld id="{D997B5FA-0921-464F-AAE1-844C04324D75}" type="datetimeFigureOut">
               <a:rPr lang="zh-CN" altLang="en-US" smtClean="0"/>
-              <a:t>2021/10/7</a:t>
+              <a:t>2021/10/8</a:t>
             </a:fld>
             <a:endParaRPr lang="zh-CN" altLang="en-US"/>
           </a:p>
@@ -2320,7 +2320,7 @@
           <a:p>
             <a:fld id="{D997B5FA-0921-464F-AAE1-844C04324D75}" type="datetimeFigureOut">
               <a:rPr lang="zh-CN" altLang="en-US" smtClean="0"/>
-              <a:t>2021/10/7</a:t>
+              <a:t>2021/10/8</a:t>
             </a:fld>
             <a:endParaRPr lang="zh-CN" altLang="en-US"/>
           </a:p>
@@ -2696,7 +2696,7 @@
           <a:p>
             <a:fld id="{D997B5FA-0921-464F-AAE1-844C04324D75}" type="datetimeFigureOut">
               <a:rPr lang="zh-CN" altLang="en-US" smtClean="0"/>
-              <a:t>2021/10/7</a:t>
+              <a:t>2021/10/8</a:t>
             </a:fld>
             <a:endParaRPr lang="zh-CN" altLang="en-US"/>
           </a:p>
@@ -2950,7 +2950,7 @@
           <a:p>
             <a:fld id="{D997B5FA-0921-464F-AAE1-844C04324D75}" type="datetimeFigureOut">
               <a:rPr lang="zh-CN" altLang="en-US" smtClean="0"/>
-              <a:t>2021/10/7</a:t>
+              <a:t>2021/10/8</a:t>
             </a:fld>
             <a:endParaRPr lang="zh-CN" altLang="en-US"/>
           </a:p>
@@ -3057,7 +3057,7 @@
           <a:p>
             <a:fld id="{D997B5FA-0921-464F-AAE1-844C04324D75}" type="datetimeFigureOut">
               <a:rPr lang="zh-CN" altLang="en-US" smtClean="0"/>
-              <a:t>2021/10/7</a:t>
+              <a:t>2021/10/8</a:t>
             </a:fld>
             <a:endParaRPr lang="zh-CN" altLang="en-US"/>
           </a:p>
@@ -3344,7 +3344,7 @@
           <a:p>
             <a:fld id="{D997B5FA-0921-464F-AAE1-844C04324D75}" type="datetimeFigureOut">
               <a:rPr lang="zh-CN" altLang="en-US" smtClean="0"/>
-              <a:t>2021/10/7</a:t>
+              <a:t>2021/10/8</a:t>
             </a:fld>
             <a:endParaRPr lang="zh-CN" altLang="en-US"/>
           </a:p>
@@ -3608,7 +3608,7 @@
           <a:p>
             <a:fld id="{D997B5FA-0921-464F-AAE1-844C04324D75}" type="datetimeFigureOut">
               <a:rPr lang="zh-CN" altLang="en-US" smtClean="0"/>
-              <a:t>2021/10/7</a:t>
+              <a:t>2021/10/8</a:t>
             </a:fld>
             <a:endParaRPr lang="zh-CN" altLang="en-US"/>
           </a:p>
@@ -3834,7 +3834,7 @@
           <a:p>
             <a:fld id="{D997B5FA-0921-464F-AAE1-844C04324D75}" type="datetimeFigureOut">
               <a:rPr lang="zh-CN" altLang="en-US" smtClean="0"/>
-              <a:t>2021/10/7</a:t>
+              <a:t>2021/10/8</a:t>
             </a:fld>
             <a:endParaRPr lang="zh-CN" altLang="en-US"/>
           </a:p>
@@ -4712,14 +4712,7 @@
                 <a:cs typeface="+mn-ea"/>
                 <a:sym typeface="+mn-lt"/>
               </a:rPr>
-              <a:t>21.10.09 </a:t>
-            </a:r>
-            <a:r>
-              <a:rPr lang="en-US" altLang="zh-TW" sz="2800" spc="700" dirty="0" smtClean="0">
-                <a:cs typeface="+mn-ea"/>
-                <a:sym typeface="+mn-lt"/>
-              </a:rPr>
-              <a:t>(</a:t>
+              <a:t>21.10.09 (</a:t>
             </a:r>
             <a:r>
               <a:rPr lang="zh-TW" altLang="en-US" sz="2800" spc="700" dirty="0" smtClean="0">
@@ -5971,7 +5964,7 @@
         <p:spPr>
           <a:xfrm>
             <a:off x="145616" y="2666311"/>
-            <a:ext cx="6480116" cy="1015663"/>
+            <a:ext cx="6480116" cy="400110"/>
           </a:xfrm>
           <a:prstGeom prst="rect">
             <a:avLst/>
@@ -5993,37 +5986,21 @@
                 <a:cs typeface="+mn-ea"/>
                 <a:sym typeface="+mn-lt"/>
               </a:rPr>
-              <a:t>修復風速資料</a:t>
+              <a:t>處理</a:t>
             </a:r>
             <a:r>
               <a:rPr lang="en-US" altLang="zh-TW" sz="2000" spc="400" dirty="0" smtClean="0">
                 <a:cs typeface="+mn-ea"/>
                 <a:sym typeface="+mn-lt"/>
               </a:rPr>
-              <a:t>bug</a:t>
-            </a:r>
-          </a:p>
-          <a:p>
-            <a:pPr marL="342900" indent="-342900">
-              <a:buFont typeface="Wingdings" panose="05000000000000000000" pitchFamily="2" charset="2"/>
-              <a:buChar char="l"/>
-            </a:pPr>
-            <a:endParaRPr lang="en-US" altLang="zh-TW" sz="2000" spc="400" dirty="0">
-              <a:cs typeface="+mn-ea"/>
-              <a:sym typeface="+mn-lt"/>
-            </a:endParaRPr>
-          </a:p>
-          <a:p>
-            <a:pPr marL="342900" indent="-342900">
-              <a:buFont typeface="Wingdings" panose="05000000000000000000" pitchFamily="2" charset="2"/>
-              <a:buChar char="l"/>
-            </a:pPr>
+              <a:t>&amp;</a:t>
+            </a:r>
             <a:r>
               <a:rPr lang="zh-TW" altLang="en-US" sz="2000" spc="400" dirty="0" smtClean="0">
                 <a:cs typeface="+mn-ea"/>
                 <a:sym typeface="+mn-lt"/>
               </a:rPr>
-              <a:t>新增顯示載重設計數據</a:t>
+              <a:t>顯示資料庫數值</a:t>
             </a:r>
             <a:endParaRPr lang="en-US" altLang="zh-TW" sz="2000" spc="400" dirty="0">
               <a:cs typeface="+mn-ea"/>
@@ -6260,7 +6237,7 @@
         </p:nvSpPr>
         <p:spPr>
           <a:xfrm>
-            <a:off x="5029198" y="493630"/>
+            <a:off x="4890012" y="74886"/>
             <a:ext cx="2133600" cy="228600"/>
           </a:xfrm>
           <a:prstGeom prst="rect">
@@ -6318,7 +6295,7 @@
         </p:nvGrpSpPr>
         <p:grpSpPr>
           <a:xfrm>
-            <a:off x="2809268" y="787600"/>
+            <a:off x="2670082" y="368856"/>
             <a:ext cx="6951916" cy="976561"/>
             <a:chOff x="689762" y="1991896"/>
             <a:chExt cx="3631162" cy="1083521"/>
@@ -6434,6 +6411,395 @@
           </p:txBody>
         </p:sp>
       </p:grpSp>
+      <p:pic>
+        <p:nvPicPr>
+          <p:cNvPr id="1026" name="Picture 2"/>
+          <p:cNvPicPr>
+            <a:picLocks noChangeAspect="1" noChangeArrowheads="1"/>
+          </p:cNvPicPr>
+          <p:nvPr/>
+        </p:nvPicPr>
+        <p:blipFill>
+          <a:blip r:embed="rId4">
+            <a:extLst>
+              <a:ext uri="{28A0092B-C50C-407E-A947-70E740481C1C}">
+                <a14:useLocalDpi xmlns:a14="http://schemas.microsoft.com/office/drawing/2010/main" val="0"/>
+              </a:ext>
+            </a:extLst>
+          </a:blip>
+          <a:srcRect/>
+          <a:stretch>
+            <a:fillRect/>
+          </a:stretch>
+        </p:blipFill>
+        <p:spPr bwMode="auto">
+          <a:xfrm>
+            <a:off x="102550" y="1345417"/>
+            <a:ext cx="12015387" cy="4987637"/>
+          </a:xfrm>
+          <a:prstGeom prst="rect">
+            <a:avLst/>
+          </a:prstGeom>
+          <a:noFill/>
+          <a:ln>
+            <a:noFill/>
+          </a:ln>
+          <a:extLst>
+            <a:ext uri="{909E8E84-426E-40DD-AFC4-6F175D3DCCD1}">
+              <a14:hiddenFill xmlns:a14="http://schemas.microsoft.com/office/drawing/2010/main">
+                <a:solidFill>
+                  <a:schemeClr val="accent1"/>
+                </a:solidFill>
+              </a14:hiddenFill>
+            </a:ext>
+            <a:ext uri="{91240B29-F687-4F45-9708-019B960494DF}">
+              <a14:hiddenLine xmlns:a14="http://schemas.microsoft.com/office/drawing/2010/main" w="9525">
+                <a:solidFill>
+                  <a:schemeClr val="tx1"/>
+                </a:solidFill>
+                <a:miter lim="800000"/>
+                <a:headEnd/>
+                <a:tailEnd/>
+              </a14:hiddenLine>
+            </a:ext>
+          </a:extLst>
+        </p:spPr>
+      </p:pic>
+      <p:sp>
+        <p:nvSpPr>
+          <p:cNvPr id="6" name="矩形 5"/>
+          <p:cNvSpPr/>
+          <p:nvPr/>
+        </p:nvSpPr>
+        <p:spPr>
+          <a:xfrm>
+            <a:off x="6819544" y="4076344"/>
+            <a:ext cx="5187297" cy="376015"/>
+          </a:xfrm>
+          <a:prstGeom prst="rect">
+            <a:avLst/>
+          </a:prstGeom>
+          <a:noFill/>
+          <a:ln w="38100">
+            <a:solidFill>
+              <a:srgbClr val="FF0000"/>
+            </a:solidFill>
+          </a:ln>
+        </p:spPr>
+        <p:style>
+          <a:lnRef idx="2">
+            <a:schemeClr val="accent1">
+              <a:shade val="50000"/>
+            </a:schemeClr>
+          </a:lnRef>
+          <a:fillRef idx="1">
+            <a:schemeClr val="accent1"/>
+          </a:fillRef>
+          <a:effectRef idx="0">
+            <a:schemeClr val="accent1"/>
+          </a:effectRef>
+          <a:fontRef idx="minor">
+            <a:schemeClr val="lt1"/>
+          </a:fontRef>
+        </p:style>
+        <p:txBody>
+          <a:bodyPr rtlCol="0" anchor="ctr"/>
+          <a:lstStyle/>
+          <a:p>
+            <a:pPr algn="ctr"/>
+            <a:endParaRPr lang="zh-TW" altLang="en-US"/>
+          </a:p>
+        </p:txBody>
+      </p:sp>
+      <p:sp>
+        <p:nvSpPr>
+          <p:cNvPr id="7" name="橢圓 6"/>
+          <p:cNvSpPr/>
+          <p:nvPr/>
+        </p:nvSpPr>
+        <p:spPr>
+          <a:xfrm>
+            <a:off x="7528845" y="4076344"/>
+            <a:ext cx="777667" cy="188007"/>
+          </a:xfrm>
+          <a:prstGeom prst="ellipse">
+            <a:avLst/>
+          </a:prstGeom>
+          <a:noFill/>
+          <a:ln w="19050">
+            <a:solidFill>
+              <a:srgbClr val="FF0000"/>
+            </a:solidFill>
+          </a:ln>
+        </p:spPr>
+        <p:style>
+          <a:lnRef idx="2">
+            <a:schemeClr val="accent1">
+              <a:shade val="50000"/>
+            </a:schemeClr>
+          </a:lnRef>
+          <a:fillRef idx="1">
+            <a:schemeClr val="accent1"/>
+          </a:fillRef>
+          <a:effectRef idx="0">
+            <a:schemeClr val="accent1"/>
+          </a:effectRef>
+          <a:fontRef idx="minor">
+            <a:schemeClr val="lt1"/>
+          </a:fontRef>
+        </p:style>
+        <p:txBody>
+          <a:bodyPr rtlCol="0" anchor="ctr"/>
+          <a:lstStyle/>
+          <a:p>
+            <a:pPr algn="ctr"/>
+            <a:endParaRPr lang="zh-TW" altLang="en-US"/>
+          </a:p>
+        </p:txBody>
+      </p:sp>
+      <p:sp>
+        <p:nvSpPr>
+          <p:cNvPr id="9" name="橢圓 8"/>
+          <p:cNvSpPr/>
+          <p:nvPr/>
+        </p:nvSpPr>
+        <p:spPr>
+          <a:xfrm>
+            <a:off x="7533117" y="4264352"/>
+            <a:ext cx="777667" cy="188007"/>
+          </a:xfrm>
+          <a:prstGeom prst="ellipse">
+            <a:avLst/>
+          </a:prstGeom>
+          <a:noFill/>
+          <a:ln w="19050">
+            <a:solidFill>
+              <a:srgbClr val="FF0000"/>
+            </a:solidFill>
+          </a:ln>
+        </p:spPr>
+        <p:style>
+          <a:lnRef idx="2">
+            <a:schemeClr val="accent1">
+              <a:shade val="50000"/>
+            </a:schemeClr>
+          </a:lnRef>
+          <a:fillRef idx="1">
+            <a:schemeClr val="accent1"/>
+          </a:fillRef>
+          <a:effectRef idx="0">
+            <a:schemeClr val="accent1"/>
+          </a:effectRef>
+          <a:fontRef idx="minor">
+            <a:schemeClr val="lt1"/>
+          </a:fontRef>
+        </p:style>
+        <p:txBody>
+          <a:bodyPr rtlCol="0" anchor="ctr"/>
+          <a:lstStyle/>
+          <a:p>
+            <a:pPr algn="ctr"/>
+            <a:endParaRPr lang="zh-TW" altLang="en-US"/>
+          </a:p>
+        </p:txBody>
+      </p:sp>
+      <p:sp>
+        <p:nvSpPr>
+          <p:cNvPr id="11" name="橢圓 10"/>
+          <p:cNvSpPr/>
+          <p:nvPr/>
+        </p:nvSpPr>
+        <p:spPr>
+          <a:xfrm>
+            <a:off x="4112345" y="3839235"/>
+            <a:ext cx="1485150" cy="331112"/>
+          </a:xfrm>
+          <a:prstGeom prst="ellipse">
+            <a:avLst/>
+          </a:prstGeom>
+          <a:noFill/>
+          <a:ln w="19050">
+            <a:solidFill>
+              <a:srgbClr val="FF0000"/>
+            </a:solidFill>
+          </a:ln>
+        </p:spPr>
+        <p:style>
+          <a:lnRef idx="2">
+            <a:schemeClr val="accent1">
+              <a:shade val="50000"/>
+            </a:schemeClr>
+          </a:lnRef>
+          <a:fillRef idx="1">
+            <a:schemeClr val="accent1"/>
+          </a:fillRef>
+          <a:effectRef idx="0">
+            <a:schemeClr val="accent1"/>
+          </a:effectRef>
+          <a:fontRef idx="minor">
+            <a:schemeClr val="lt1"/>
+          </a:fontRef>
+        </p:style>
+        <p:txBody>
+          <a:bodyPr rtlCol="0" anchor="ctr"/>
+          <a:lstStyle/>
+          <a:p>
+            <a:pPr algn="ctr"/>
+            <a:endParaRPr lang="zh-TW" altLang="en-US"/>
+          </a:p>
+        </p:txBody>
+      </p:sp>
+      <p:sp>
+        <p:nvSpPr>
+          <p:cNvPr id="10" name="矩形 9"/>
+          <p:cNvSpPr/>
+          <p:nvPr/>
+        </p:nvSpPr>
+        <p:spPr>
+          <a:xfrm>
+            <a:off x="2127902" y="4358355"/>
+            <a:ext cx="4195985" cy="1717705"/>
+          </a:xfrm>
+          <a:prstGeom prst="rect">
+            <a:avLst/>
+          </a:prstGeom>
+        </p:spPr>
+        <p:style>
+          <a:lnRef idx="2">
+            <a:schemeClr val="accent1">
+              <a:shade val="50000"/>
+            </a:schemeClr>
+          </a:lnRef>
+          <a:fillRef idx="1">
+            <a:schemeClr val="accent1"/>
+          </a:fillRef>
+          <a:effectRef idx="0">
+            <a:schemeClr val="accent1"/>
+          </a:effectRef>
+          <a:fontRef idx="minor">
+            <a:schemeClr val="lt1"/>
+          </a:fontRef>
+        </p:style>
+        <p:txBody>
+          <a:bodyPr rtlCol="0" anchor="ctr"/>
+          <a:lstStyle/>
+          <a:p>
+            <a:pPr algn="ctr"/>
+            <a:r>
+              <a:rPr lang="zh-TW" altLang="en-US" dirty="0" smtClean="0"/>
+              <a:t>右邊那些是資料庫拉出來的資料</a:t>
+            </a:r>
+            <a:r>
+              <a:rPr lang="en-US" altLang="zh-TW" dirty="0" smtClean="0"/>
+              <a:t>(</a:t>
+            </a:r>
+            <a:r>
+              <a:rPr lang="zh-TW" altLang="en-US" dirty="0" smtClean="0"/>
+              <a:t>顯示</a:t>
+            </a:r>
+            <a:r>
+              <a:rPr lang="en-US" altLang="zh-TW" dirty="0" smtClean="0"/>
+              <a:t>debug</a:t>
+            </a:r>
+            <a:r>
+              <a:rPr lang="zh-TW" altLang="en-US" dirty="0" smtClean="0"/>
+              <a:t>用</a:t>
+            </a:r>
+            <a:r>
+              <a:rPr lang="en-US" altLang="zh-TW" dirty="0" smtClean="0"/>
+              <a:t>)</a:t>
+            </a:r>
+            <a:r>
+              <a:rPr lang="zh-TW" altLang="en-US" dirty="0" smtClean="0"/>
+              <a:t>，圈起來的地方是</a:t>
+            </a:r>
+            <a:r>
+              <a:rPr lang="en-US" altLang="zh-TW" dirty="0" smtClean="0"/>
+              <a:t>bobo</a:t>
+            </a:r>
+            <a:r>
+              <a:rPr lang="zh-TW" altLang="en-US" dirty="0" smtClean="0"/>
+              <a:t>專家所新增的數值，當下拉選單選擇</a:t>
+            </a:r>
+            <a:r>
+              <a:rPr lang="en-US" altLang="zh-TW" dirty="0" smtClean="0"/>
+              <a:t>bobo</a:t>
+            </a:r>
+            <a:r>
+              <a:rPr lang="zh-TW" altLang="en-US" dirty="0" smtClean="0"/>
+              <a:t>時，系統會採納</a:t>
+            </a:r>
+            <a:r>
+              <a:rPr lang="en-US" altLang="zh-TW" dirty="0" smtClean="0"/>
+              <a:t>bobo</a:t>
+            </a:r>
+            <a:r>
+              <a:rPr lang="zh-TW" altLang="en-US" dirty="0" smtClean="0"/>
+              <a:t>所提供的數值進行計算與顯示</a:t>
+            </a:r>
+            <a:r>
+              <a:rPr lang="en-US" altLang="zh-TW" dirty="0" smtClean="0"/>
+              <a:t>(</a:t>
+            </a:r>
+            <a:r>
+              <a:rPr lang="zh-TW" altLang="en-US" dirty="0" smtClean="0"/>
+              <a:t>結果如下張投影片</a:t>
+            </a:r>
+            <a:r>
+              <a:rPr lang="en-US" altLang="zh-TW" dirty="0" smtClean="0"/>
+              <a:t>)</a:t>
+            </a:r>
+          </a:p>
+          <a:p>
+            <a:pPr algn="ctr"/>
+            <a:endParaRPr lang="zh-TW" altLang="en-US" dirty="0"/>
+          </a:p>
+        </p:txBody>
+      </p:sp>
+      <p:sp>
+        <p:nvSpPr>
+          <p:cNvPr id="12" name="矩形 11"/>
+          <p:cNvSpPr/>
+          <p:nvPr/>
+        </p:nvSpPr>
+        <p:spPr>
+          <a:xfrm>
+            <a:off x="6665720" y="5870961"/>
+            <a:ext cx="4178893" cy="914400"/>
+          </a:xfrm>
+          <a:prstGeom prst="rect">
+            <a:avLst/>
+          </a:prstGeom>
+        </p:spPr>
+        <p:style>
+          <a:lnRef idx="2">
+            <a:schemeClr val="accent1">
+              <a:shade val="50000"/>
+            </a:schemeClr>
+          </a:lnRef>
+          <a:fillRef idx="1">
+            <a:schemeClr val="accent1"/>
+          </a:fillRef>
+          <a:effectRef idx="0">
+            <a:schemeClr val="accent1"/>
+          </a:effectRef>
+          <a:fontRef idx="minor">
+            <a:schemeClr val="lt1"/>
+          </a:fontRef>
+        </p:style>
+        <p:txBody>
+          <a:bodyPr rtlCol="0" anchor="ctr"/>
+          <a:lstStyle/>
+          <a:p>
+            <a:pPr algn="ctr"/>
+            <a:r>
+              <a:rPr lang="zh-TW" altLang="en-US" dirty="0" smtClean="0"/>
+              <a:t>目前只做了圓拱距的部分，確認功能可行完善之後其他項目也會跟著有功能</a:t>
+            </a:r>
+            <a:endParaRPr lang="zh-TW" altLang="en-US" dirty="0"/>
+          </a:p>
+        </p:txBody>
+      </p:sp>
     </p:spTree>
     <p:custDataLst>
       <p:tags r:id="rId1"/>
@@ -6618,6 +6984,60 @@
           <a:chExt cx="0" cy="0"/>
         </a:xfrm>
       </p:grpSpPr>
+      <p:pic>
+        <p:nvPicPr>
+          <p:cNvPr id="1027" name="Picture 3"/>
+          <p:cNvPicPr>
+            <a:picLocks noChangeAspect="1" noChangeArrowheads="1"/>
+          </p:cNvPicPr>
+          <p:nvPr/>
+        </p:nvPicPr>
+        <p:blipFill>
+          <a:blip r:embed="rId4">
+            <a:extLst>
+              <a:ext uri="{28A0092B-C50C-407E-A947-70E740481C1C}">
+                <a14:useLocalDpi xmlns:a14="http://schemas.microsoft.com/office/drawing/2010/main" val="0"/>
+              </a:ext>
+            </a:extLst>
+          </a:blip>
+          <a:srcRect/>
+          <a:stretch>
+            <a:fillRect/>
+          </a:stretch>
+        </p:blipFill>
+        <p:spPr bwMode="auto">
+          <a:xfrm>
+            <a:off x="1581297" y="1764161"/>
+            <a:ext cx="8482149" cy="4955837"/>
+          </a:xfrm>
+          <a:prstGeom prst="rect">
+            <a:avLst/>
+          </a:prstGeom>
+          <a:noFill/>
+          <a:ln>
+            <a:noFill/>
+          </a:ln>
+          <a:extLst>
+            <a:ext uri="{909E8E84-426E-40DD-AFC4-6F175D3DCCD1}">
+              <a14:hiddenFill xmlns:a14="http://schemas.microsoft.com/office/drawing/2010/main">
+                <a:solidFill>
+                  <a:schemeClr val="accent1"/>
+                </a:solidFill>
+              </a14:hiddenFill>
+            </a:ext>
+            <a:ext uri="{91240B29-F687-4F45-9708-019B960494DF}">
+              <a14:hiddenLine xmlns:a14="http://schemas.microsoft.com/office/drawing/2010/main" w="9525">
+                <a:solidFill>
+                  <a:schemeClr val="tx1"/>
+                </a:solidFill>
+                <a:miter lim="800000"/>
+                <a:headEnd/>
+                <a:tailEnd/>
+              </a14:hiddenLine>
+            </a:ext>
+          </a:extLst>
+        </p:spPr>
+      </p:pic>
       <p:sp>
         <p:nvSpPr>
           <p:cNvPr id="2" name="矩形 1">
@@ -6789,6 +7209,52 @@
           </p:txBody>
         </p:sp>
       </p:grpSp>
+      <p:sp>
+        <p:nvSpPr>
+          <p:cNvPr id="7" name="矩形 6"/>
+          <p:cNvSpPr/>
+          <p:nvPr/>
+        </p:nvSpPr>
+        <p:spPr>
+          <a:xfrm>
+            <a:off x="6220312" y="3033730"/>
+            <a:ext cx="2026379" cy="256401"/>
+          </a:xfrm>
+          <a:prstGeom prst="rect">
+            <a:avLst/>
+          </a:prstGeom>
+          <a:noFill/>
+          <a:ln w="38100">
+            <a:solidFill>
+              <a:srgbClr val="FF0000"/>
+            </a:solidFill>
+          </a:ln>
+        </p:spPr>
+        <p:style>
+          <a:lnRef idx="2">
+            <a:schemeClr val="accent1">
+              <a:shade val="50000"/>
+            </a:schemeClr>
+          </a:lnRef>
+          <a:fillRef idx="1">
+            <a:schemeClr val="accent1"/>
+          </a:fillRef>
+          <a:effectRef idx="0">
+            <a:schemeClr val="accent1"/>
+          </a:effectRef>
+          <a:fontRef idx="minor">
+            <a:schemeClr val="lt1"/>
+          </a:fontRef>
+        </p:style>
+        <p:txBody>
+          <a:bodyPr rtlCol="0" anchor="ctr"/>
+          <a:lstStyle/>
+          <a:p>
+            <a:pPr algn="ctr"/>
+            <a:endParaRPr lang="zh-TW" altLang="en-US"/>
+          </a:p>
+        </p:txBody>
+      </p:sp>
     </p:spTree>
     <p:custDataLst>
       <p:tags r:id="rId1"/>

--- a/工作日報_葉柏漢/2021.10/2021.10.09(假日加班)工作日報_葉柏漢.pptx
+++ b/工作日報_葉柏漢/2021.10/2021.10.09(假日加班)工作日報_葉柏漢.pptx
@@ -114,7 +114,7 @@
   </p:defaultTextStyle>
   <p:extLst>
     <p:ext uri="{EFAFB233-063F-42B5-8137-9DF3F51BA10A}">
-      <p15:sldGuideLst xmlns="" xmlns:p15="http://schemas.microsoft.com/office/powerpoint/2012/main">
+      <p15:sldGuideLst xmlns:p15="http://schemas.microsoft.com/office/powerpoint/2012/main" xmlns="">
         <p15:guide id="1" orient="horz" pos="2160" userDrawn="1">
           <p15:clr>
             <a:srgbClr val="A4A3A4"/>
@@ -213,7 +213,7 @@
           <a:p>
             <a:fld id="{5F45278C-940B-4C39-9CBC-669F45D4F0E2}" type="datetimeFigureOut">
               <a:rPr lang="zh-CN" altLang="en-US" smtClean="0"/>
-              <a:t>2021/10/8</a:t>
+              <a:t>2021/10/12</a:t>
             </a:fld>
             <a:endParaRPr lang="zh-CN" altLang="en-US"/>
           </a:p>
@@ -778,7 +778,7 @@
           <a:p>
             <a:fld id="{D997B5FA-0921-464F-AAE1-844C04324D75}" type="datetimeFigureOut">
               <a:rPr lang="zh-CN" altLang="en-US" smtClean="0"/>
-              <a:t>2021/10/8</a:t>
+              <a:t>2021/10/12</a:t>
             </a:fld>
             <a:endParaRPr lang="zh-CN" altLang="en-US"/>
           </a:p>
@@ -958,7 +958,7 @@
           <a:p>
             <a:fld id="{D997B5FA-0921-464F-AAE1-844C04324D75}" type="datetimeFigureOut">
               <a:rPr lang="zh-CN" altLang="en-US" smtClean="0"/>
-              <a:t>2021/10/8</a:t>
+              <a:t>2021/10/12</a:t>
             </a:fld>
             <a:endParaRPr lang="zh-CN" altLang="en-US"/>
           </a:p>
@@ -1148,7 +1148,7 @@
           <a:p>
             <a:fld id="{D997B5FA-0921-464F-AAE1-844C04324D75}" type="datetimeFigureOut">
               <a:rPr lang="zh-CN" altLang="en-US" smtClean="0"/>
-              <a:t>2021/10/8</a:t>
+              <a:t>2021/10/12</a:t>
             </a:fld>
             <a:endParaRPr lang="zh-CN" altLang="en-US"/>
           </a:p>
@@ -1359,7 +1359,7 @@
                 </a:solidFill>
               </a:rPr>
               <a:pPr/>
-              <a:t>2021/10/8</a:t>
+              <a:t>2021/10/12</a:t>
             </a:fld>
             <a:endParaRPr lang="zh-CN" altLang="en-US">
               <a:solidFill>
@@ -1591,7 +1591,7 @@
                 </a:solidFill>
               </a:rPr>
               <a:pPr/>
-              <a:t>2021/10/8</a:t>
+              <a:t>2021/10/12</a:t>
             </a:fld>
             <a:endParaRPr lang="zh-CN" altLang="en-US">
               <a:solidFill>
@@ -1822,7 +1822,7 @@
           <a:p>
             <a:fld id="{D997B5FA-0921-464F-AAE1-844C04324D75}" type="datetimeFigureOut">
               <a:rPr lang="zh-CN" altLang="en-US" smtClean="0"/>
-              <a:t>2021/10/8</a:t>
+              <a:t>2021/10/12</a:t>
             </a:fld>
             <a:endParaRPr lang="zh-CN" altLang="en-US"/>
           </a:p>
@@ -2079,7 +2079,7 @@
           <a:p>
             <a:fld id="{D997B5FA-0921-464F-AAE1-844C04324D75}" type="datetimeFigureOut">
               <a:rPr lang="zh-CN" altLang="en-US" smtClean="0"/>
-              <a:t>2021/10/8</a:t>
+              <a:t>2021/10/12</a:t>
             </a:fld>
             <a:endParaRPr lang="zh-CN" altLang="en-US"/>
           </a:p>
@@ -2320,7 +2320,7 @@
           <a:p>
             <a:fld id="{D997B5FA-0921-464F-AAE1-844C04324D75}" type="datetimeFigureOut">
               <a:rPr lang="zh-CN" altLang="en-US" smtClean="0"/>
-              <a:t>2021/10/8</a:t>
+              <a:t>2021/10/12</a:t>
             </a:fld>
             <a:endParaRPr lang="zh-CN" altLang="en-US"/>
           </a:p>
@@ -2696,7 +2696,7 @@
           <a:p>
             <a:fld id="{D997B5FA-0921-464F-AAE1-844C04324D75}" type="datetimeFigureOut">
               <a:rPr lang="zh-CN" altLang="en-US" smtClean="0"/>
-              <a:t>2021/10/8</a:t>
+              <a:t>2021/10/12</a:t>
             </a:fld>
             <a:endParaRPr lang="zh-CN" altLang="en-US"/>
           </a:p>
@@ -2950,7 +2950,7 @@
           <a:p>
             <a:fld id="{D997B5FA-0921-464F-AAE1-844C04324D75}" type="datetimeFigureOut">
               <a:rPr lang="zh-CN" altLang="en-US" smtClean="0"/>
-              <a:t>2021/10/8</a:t>
+              <a:t>2021/10/12</a:t>
             </a:fld>
             <a:endParaRPr lang="zh-CN" altLang="en-US"/>
           </a:p>
@@ -3057,7 +3057,7 @@
           <a:p>
             <a:fld id="{D997B5FA-0921-464F-AAE1-844C04324D75}" type="datetimeFigureOut">
               <a:rPr lang="zh-CN" altLang="en-US" smtClean="0"/>
-              <a:t>2021/10/8</a:t>
+              <a:t>2021/10/12</a:t>
             </a:fld>
             <a:endParaRPr lang="zh-CN" altLang="en-US"/>
           </a:p>
@@ -3344,7 +3344,7 @@
           <a:p>
             <a:fld id="{D997B5FA-0921-464F-AAE1-844C04324D75}" type="datetimeFigureOut">
               <a:rPr lang="zh-CN" altLang="en-US" smtClean="0"/>
-              <a:t>2021/10/8</a:t>
+              <a:t>2021/10/12</a:t>
             </a:fld>
             <a:endParaRPr lang="zh-CN" altLang="en-US"/>
           </a:p>
@@ -3608,7 +3608,7 @@
           <a:p>
             <a:fld id="{D997B5FA-0921-464F-AAE1-844C04324D75}" type="datetimeFigureOut">
               <a:rPr lang="zh-CN" altLang="en-US" smtClean="0"/>
-              <a:t>2021/10/8</a:t>
+              <a:t>2021/10/12</a:t>
             </a:fld>
             <a:endParaRPr lang="zh-CN" altLang="en-US"/>
           </a:p>
@@ -3834,7 +3834,7 @@
           <a:p>
             <a:fld id="{D997B5FA-0921-464F-AAE1-844C04324D75}" type="datetimeFigureOut">
               <a:rPr lang="zh-CN" altLang="en-US" smtClean="0"/>
-              <a:t>2021/10/8</a:t>
+              <a:t>2021/10/12</a:t>
             </a:fld>
             <a:endParaRPr lang="zh-CN" altLang="en-US"/>
           </a:p>
@@ -4544,7 +4544,7 @@
           <p:cNvPr id="18" name="矩形: 圆角 17">
             <a:extLst>
               <a:ext uri="{FF2B5EF4-FFF2-40B4-BE49-F238E27FC236}">
-                <a16:creationId xmlns="" xmlns:a16="http://schemas.microsoft.com/office/drawing/2014/main" id="{822EAB1A-0613-4B84-B43A-020769A84C2F}"/>
+                <a16:creationId xmlns:a16="http://schemas.microsoft.com/office/drawing/2014/main" xmlns="" id="{822EAB1A-0613-4B84-B43A-020769A84C2F}"/>
               </a:ext>
             </a:extLst>
           </p:cNvPr>
@@ -4610,7 +4610,7 @@
           <p:cNvPr id="4" name="矩形: 圆角 3">
             <a:extLst>
               <a:ext uri="{FF2B5EF4-FFF2-40B4-BE49-F238E27FC236}">
-                <a16:creationId xmlns="" xmlns:a16="http://schemas.microsoft.com/office/drawing/2014/main" id="{CFAF4C25-9AB4-4329-B21C-0F7CB88F0784}"/>
+                <a16:creationId xmlns:a16="http://schemas.microsoft.com/office/drawing/2014/main" xmlns="" id="{CFAF4C25-9AB4-4329-B21C-0F7CB88F0784}"/>
               </a:ext>
             </a:extLst>
           </p:cNvPr>
@@ -4676,7 +4676,7 @@
           <p:cNvPr id="5" name="文本框 4">
             <a:extLst>
               <a:ext uri="{FF2B5EF4-FFF2-40B4-BE49-F238E27FC236}">
-                <a16:creationId xmlns="" xmlns:a16="http://schemas.microsoft.com/office/drawing/2014/main" id="{959F8909-6800-4D81-9559-FFAEB41A80C1}"/>
+                <a16:creationId xmlns:a16="http://schemas.microsoft.com/office/drawing/2014/main" xmlns="" id="{959F8909-6800-4D81-9559-FFAEB41A80C1}"/>
               </a:ext>
             </a:extLst>
           </p:cNvPr>
@@ -4740,7 +4740,7 @@
           <p:cNvPr id="6" name="文本框 5">
             <a:extLst>
               <a:ext uri="{FF2B5EF4-FFF2-40B4-BE49-F238E27FC236}">
-                <a16:creationId xmlns="" xmlns:a16="http://schemas.microsoft.com/office/drawing/2014/main" id="{F8829203-F363-4337-ACAC-0D2C4AE6A337}"/>
+                <a16:creationId xmlns:a16="http://schemas.microsoft.com/office/drawing/2014/main" xmlns="" id="{F8829203-F363-4337-ACAC-0D2C4AE6A337}"/>
               </a:ext>
             </a:extLst>
           </p:cNvPr>
@@ -4807,7 +4807,7 @@
           <p:cNvPr id="8" name="椭圆 7">
             <a:extLst>
               <a:ext uri="{FF2B5EF4-FFF2-40B4-BE49-F238E27FC236}">
-                <a16:creationId xmlns="" xmlns:a16="http://schemas.microsoft.com/office/drawing/2014/main" id="{08B93554-9443-4291-83BC-91BEC5088783}"/>
+                <a16:creationId xmlns:a16="http://schemas.microsoft.com/office/drawing/2014/main" xmlns="" id="{08B93554-9443-4291-83BC-91BEC5088783}"/>
               </a:ext>
             </a:extLst>
           </p:cNvPr>
@@ -4869,7 +4869,7 @@
           <p:cNvPr id="9" name="椭圆 8">
             <a:extLst>
               <a:ext uri="{FF2B5EF4-FFF2-40B4-BE49-F238E27FC236}">
-                <a16:creationId xmlns="" xmlns:a16="http://schemas.microsoft.com/office/drawing/2014/main" id="{16338DEE-2916-4AC7-A537-1507B9F2A824}"/>
+                <a16:creationId xmlns:a16="http://schemas.microsoft.com/office/drawing/2014/main" xmlns="" id="{16338DEE-2916-4AC7-A537-1507B9F2A824}"/>
               </a:ext>
             </a:extLst>
           </p:cNvPr>
@@ -4931,7 +4931,7 @@
           <p:cNvPr id="13" name="组合 12">
             <a:extLst>
               <a:ext uri="{FF2B5EF4-FFF2-40B4-BE49-F238E27FC236}">
-                <a16:creationId xmlns="" xmlns:a16="http://schemas.microsoft.com/office/drawing/2014/main" id="{C0EF9AE3-F1B9-443C-9F86-CDF322936010}"/>
+                <a16:creationId xmlns:a16="http://schemas.microsoft.com/office/drawing/2014/main" xmlns="" id="{C0EF9AE3-F1B9-443C-9F86-CDF322936010}"/>
               </a:ext>
             </a:extLst>
           </p:cNvPr>
@@ -4951,7 +4951,7 @@
             <p:cNvPr id="12" name="矩形: 圆角 11">
               <a:extLst>
                 <a:ext uri="{FF2B5EF4-FFF2-40B4-BE49-F238E27FC236}">
-                  <a16:creationId xmlns="" xmlns:a16="http://schemas.microsoft.com/office/drawing/2014/main" id="{4E9D624C-B884-49D6-955A-058878E5E13C}"/>
+                  <a16:creationId xmlns:a16="http://schemas.microsoft.com/office/drawing/2014/main" xmlns="" id="{4E9D624C-B884-49D6-955A-058878E5E13C}"/>
                 </a:ext>
               </a:extLst>
             </p:cNvPr>
@@ -5015,7 +5015,7 @@
             <p:cNvPr id="10" name="文本框 9">
               <a:extLst>
                 <a:ext uri="{FF2B5EF4-FFF2-40B4-BE49-F238E27FC236}">
-                  <a16:creationId xmlns="" xmlns:a16="http://schemas.microsoft.com/office/drawing/2014/main" id="{D7F488F0-218D-4123-B444-742EAD00AD0E}"/>
+                  <a16:creationId xmlns:a16="http://schemas.microsoft.com/office/drawing/2014/main" xmlns="" id="{D7F488F0-218D-4123-B444-742EAD00AD0E}"/>
                 </a:ext>
               </a:extLst>
             </p:cNvPr>
@@ -5073,7 +5073,7 @@
           <p:cNvPr id="16" name="组合 15">
             <a:extLst>
               <a:ext uri="{FF2B5EF4-FFF2-40B4-BE49-F238E27FC236}">
-                <a16:creationId xmlns="" xmlns:a16="http://schemas.microsoft.com/office/drawing/2014/main" id="{9653DEAF-0910-48E8-8375-9FC078E9D0D6}"/>
+                <a16:creationId xmlns:a16="http://schemas.microsoft.com/office/drawing/2014/main" xmlns="" id="{9653DEAF-0910-48E8-8375-9FC078E9D0D6}"/>
               </a:ext>
             </a:extLst>
           </p:cNvPr>
@@ -5093,7 +5093,7 @@
             <p:cNvPr id="15" name="矩形: 圆角 14">
               <a:extLst>
                 <a:ext uri="{FF2B5EF4-FFF2-40B4-BE49-F238E27FC236}">
-                  <a16:creationId xmlns="" xmlns:a16="http://schemas.microsoft.com/office/drawing/2014/main" id="{CC29E14A-0550-4BFF-99D2-A94938E4EB84}"/>
+                  <a16:creationId xmlns:a16="http://schemas.microsoft.com/office/drawing/2014/main" xmlns="" id="{CC29E14A-0550-4BFF-99D2-A94938E4EB84}"/>
                 </a:ext>
               </a:extLst>
             </p:cNvPr>
@@ -5157,7 +5157,7 @@
             <p:cNvPr id="11" name="文本框 10">
               <a:extLst>
                 <a:ext uri="{FF2B5EF4-FFF2-40B4-BE49-F238E27FC236}">
-                  <a16:creationId xmlns="" xmlns:a16="http://schemas.microsoft.com/office/drawing/2014/main" id="{333307C3-A861-42E7-A2DA-6BAC1BCA9E3C}"/>
+                  <a16:creationId xmlns:a16="http://schemas.microsoft.com/office/drawing/2014/main" xmlns="" id="{333307C3-A861-42E7-A2DA-6BAC1BCA9E3C}"/>
                 </a:ext>
               </a:extLst>
             </p:cNvPr>
@@ -5215,7 +5215,7 @@
           <p:cNvPr id="17" name="组合 15">
             <a:extLst>
               <a:ext uri="{FF2B5EF4-FFF2-40B4-BE49-F238E27FC236}">
-                <a16:creationId xmlns="" xmlns:a16="http://schemas.microsoft.com/office/drawing/2014/main" id="{9653DEAF-0910-48E8-8375-9FC078E9D0D6}"/>
+                <a16:creationId xmlns:a16="http://schemas.microsoft.com/office/drawing/2014/main" xmlns="" id="{9653DEAF-0910-48E8-8375-9FC078E9D0D6}"/>
               </a:ext>
             </a:extLst>
           </p:cNvPr>
@@ -5235,7 +5235,7 @@
             <p:cNvPr id="19" name="矩形: 圆角 14">
               <a:extLst>
                 <a:ext uri="{FF2B5EF4-FFF2-40B4-BE49-F238E27FC236}">
-                  <a16:creationId xmlns="" xmlns:a16="http://schemas.microsoft.com/office/drawing/2014/main" id="{CC29E14A-0550-4BFF-99D2-A94938E4EB84}"/>
+                  <a16:creationId xmlns:a16="http://schemas.microsoft.com/office/drawing/2014/main" xmlns="" id="{CC29E14A-0550-4BFF-99D2-A94938E4EB84}"/>
                 </a:ext>
               </a:extLst>
             </p:cNvPr>
@@ -5299,7 +5299,7 @@
             <p:cNvPr id="20" name="文本框 10">
               <a:extLst>
                 <a:ext uri="{FF2B5EF4-FFF2-40B4-BE49-F238E27FC236}">
-                  <a16:creationId xmlns="" xmlns:a16="http://schemas.microsoft.com/office/drawing/2014/main" id="{333307C3-A861-42E7-A2DA-6BAC1BCA9E3C}"/>
+                  <a16:creationId xmlns:a16="http://schemas.microsoft.com/office/drawing/2014/main" xmlns="" id="{333307C3-A861-42E7-A2DA-6BAC1BCA9E3C}"/>
                 </a:ext>
               </a:extLst>
             </p:cNvPr>
@@ -5378,7 +5378,7 @@
         <p:random/>
       </p:transition>
     </mc:Choice>
-    <mc:Fallback xmlns:a16="http://schemas.microsoft.com/office/drawing/2014/main" xmlns="">
+    <mc:Fallback xmlns="" xmlns:a16="http://schemas.microsoft.com/office/drawing/2014/main">
       <p:transition spd="slow" advTm="4078">
         <p:random/>
       </p:transition>
@@ -5835,7 +5835,7 @@
           <p:cNvPr id="7" name="组合 6">
             <a:extLst>
               <a:ext uri="{FF2B5EF4-FFF2-40B4-BE49-F238E27FC236}">
-                <a16:creationId xmlns="" xmlns:a16="http://schemas.microsoft.com/office/drawing/2014/main" id="{5016DF47-4C78-4917-983C-FFC43C3A22DB}"/>
+                <a16:creationId xmlns:a16="http://schemas.microsoft.com/office/drawing/2014/main" xmlns="" id="{5016DF47-4C78-4917-983C-FFC43C3A22DB}"/>
               </a:ext>
             </a:extLst>
           </p:cNvPr>
@@ -5855,7 +5855,7 @@
             <p:cNvPr id="4" name="文本框 3">
               <a:extLst>
                 <a:ext uri="{FF2B5EF4-FFF2-40B4-BE49-F238E27FC236}">
-                  <a16:creationId xmlns="" xmlns:a16="http://schemas.microsoft.com/office/drawing/2014/main" id="{09FE6907-8676-429A-9B5A-DC3FAFE110A8}"/>
+                  <a16:creationId xmlns:a16="http://schemas.microsoft.com/office/drawing/2014/main" xmlns="" id="{09FE6907-8676-429A-9B5A-DC3FAFE110A8}"/>
                 </a:ext>
               </a:extLst>
             </p:cNvPr>
@@ -5897,7 +5897,7 @@
             <p:cNvPr id="6" name="文本框 5">
               <a:extLst>
                 <a:ext uri="{FF2B5EF4-FFF2-40B4-BE49-F238E27FC236}">
-                  <a16:creationId xmlns="" xmlns:a16="http://schemas.microsoft.com/office/drawing/2014/main" id="{6123FD62-F930-464F-86A1-4D1030B58358}"/>
+                  <a16:creationId xmlns:a16="http://schemas.microsoft.com/office/drawing/2014/main" xmlns="" id="{6123FD62-F930-464F-86A1-4D1030B58358}"/>
                 </a:ext>
               </a:extLst>
             </p:cNvPr>
@@ -5954,7 +5954,7 @@
           <p:cNvPr id="8" name="文本框 7">
             <a:extLst>
               <a:ext uri="{FF2B5EF4-FFF2-40B4-BE49-F238E27FC236}">
-                <a16:creationId xmlns="" xmlns:a16="http://schemas.microsoft.com/office/drawing/2014/main" id="{61D68AC2-6217-4618-9FF2-2840E7AAD8C2}"/>
+                <a16:creationId xmlns:a16="http://schemas.microsoft.com/office/drawing/2014/main" xmlns="" id="{61D68AC2-6217-4618-9FF2-2840E7AAD8C2}"/>
               </a:ext>
             </a:extLst>
           </p:cNvPr>
@@ -6058,7 +6058,7 @@
         <p:random/>
       </p:transition>
     </mc:Choice>
-    <mc:Fallback xmlns:a14="http://schemas.microsoft.com/office/drawing/2010/main" xmlns:a16="http://schemas.microsoft.com/office/drawing/2014/main" xmlns="">
+    <mc:Fallback xmlns="" xmlns:a16="http://schemas.microsoft.com/office/drawing/2014/main" xmlns:a14="http://schemas.microsoft.com/office/drawing/2010/main">
       <p:transition spd="slow" advTm="4024">
         <p:random/>
       </p:transition>
@@ -6228,7 +6228,7 @@
           <p:cNvPr id="2" name="矩形 1">
             <a:extLst>
               <a:ext uri="{FF2B5EF4-FFF2-40B4-BE49-F238E27FC236}">
-                <a16:creationId xmlns="" xmlns:a16="http://schemas.microsoft.com/office/drawing/2014/main" id="{6130B33B-FCB5-4AFA-8175-BA08126D80E1}"/>
+                <a16:creationId xmlns:a16="http://schemas.microsoft.com/office/drawing/2014/main" xmlns="" id="{6130B33B-FCB5-4AFA-8175-BA08126D80E1}"/>
               </a:ext>
             </a:extLst>
           </p:cNvPr>
@@ -6286,7 +6286,7 @@
           <p:cNvPr id="3" name="组合 2">
             <a:extLst>
               <a:ext uri="{FF2B5EF4-FFF2-40B4-BE49-F238E27FC236}">
-                <a16:creationId xmlns="" xmlns:a16="http://schemas.microsoft.com/office/drawing/2014/main" id="{CF3B8F59-C87E-48F7-911B-3FCC3B1922F9}"/>
+                <a16:creationId xmlns:a16="http://schemas.microsoft.com/office/drawing/2014/main" xmlns="" id="{CF3B8F59-C87E-48F7-911B-3FCC3B1922F9}"/>
               </a:ext>
             </a:extLst>
           </p:cNvPr>
@@ -6295,10 +6295,10 @@
         </p:nvGrpSpPr>
         <p:grpSpPr>
           <a:xfrm>
-            <a:off x="2670082" y="368856"/>
-            <a:ext cx="6951916" cy="976561"/>
+            <a:off x="2670082" y="368855"/>
+            <a:ext cx="6951916" cy="1323439"/>
             <a:chOff x="689762" y="1991896"/>
-            <a:chExt cx="3631162" cy="1083521"/>
+            <a:chExt cx="3631162" cy="1468392"/>
           </a:xfrm>
         </p:grpSpPr>
         <p:sp>
@@ -6306,7 +6306,7 @@
             <p:cNvPr id="4" name="文本框 3">
               <a:extLst>
                 <a:ext uri="{FF2B5EF4-FFF2-40B4-BE49-F238E27FC236}">
-                  <a16:creationId xmlns="" xmlns:a16="http://schemas.microsoft.com/office/drawing/2014/main" id="{F069F7C5-7C6B-4416-BA43-7E9FF2B95F70}"/>
+                  <a16:creationId xmlns:a16="http://schemas.microsoft.com/office/drawing/2014/main" xmlns="" id="{F069F7C5-7C6B-4416-BA43-7E9FF2B95F70}"/>
                 </a:ext>
               </a:extLst>
             </p:cNvPr>
@@ -6316,7 +6316,7 @@
           <p:spPr>
             <a:xfrm>
               <a:off x="985009" y="1991896"/>
-              <a:ext cx="3335915" cy="785419"/>
+              <a:ext cx="3335915" cy="1468392"/>
             </a:xfrm>
             <a:prstGeom prst="rect">
               <a:avLst/>
@@ -6330,33 +6330,36 @@
             <a:lstStyle/>
             <a:p>
               <a:r>
-                <a:rPr lang="en-US" altLang="zh-TW" sz="4000" spc="400" dirty="0" smtClean="0">
-                  <a:cs typeface="+mn-ea"/>
-                  <a:sym typeface="+mn-lt"/>
-                </a:rPr>
-                <a:t>	</a:t>
-              </a:r>
-              <a:r>
                 <a:rPr lang="zh-TW" altLang="en-US" sz="4000" spc="400" dirty="0" smtClean="0">
                   <a:cs typeface="+mn-ea"/>
                   <a:sym typeface="+mn-lt"/>
                 </a:rPr>
-                <a:t>修復</a:t>
+                <a:t>處理</a:t>
+              </a:r>
+              <a:r>
+                <a:rPr lang="en-US" altLang="zh-TW" sz="4000" spc="400" dirty="0">
+                  <a:cs typeface="+mn-ea"/>
+                  <a:sym typeface="+mn-lt"/>
+                </a:rPr>
+                <a:t>&amp;</a:t>
               </a:r>
               <a:r>
                 <a:rPr lang="zh-TW" altLang="en-US" sz="4000" spc="400" dirty="0">
                   <a:cs typeface="+mn-ea"/>
                   <a:sym typeface="+mn-lt"/>
                 </a:rPr>
-                <a:t>風速資料</a:t>
+                <a:t>顯示資料庫數值</a:t>
               </a:r>
-              <a:r>
-                <a:rPr lang="en-US" altLang="zh-TW" sz="4000" spc="400" dirty="0">
-                  <a:cs typeface="+mn-ea"/>
-                  <a:sym typeface="+mn-lt"/>
-                </a:rPr>
-                <a:t>bug</a:t>
-              </a:r>
+              <a:endParaRPr lang="en-US" altLang="zh-TW" sz="4000" spc="400" dirty="0">
+                <a:cs typeface="+mn-ea"/>
+                <a:sym typeface="+mn-lt"/>
+              </a:endParaRPr>
+            </a:p>
+            <a:p>
+              <a:endParaRPr lang="en-US" altLang="zh-TW" sz="4000" spc="400" dirty="0">
+                <a:cs typeface="+mn-ea"/>
+                <a:sym typeface="+mn-lt"/>
+              </a:endParaRPr>
             </a:p>
           </p:txBody>
         </p:sp>
@@ -6365,7 +6368,7 @@
             <p:cNvPr id="5" name="文本框 4">
               <a:extLst>
                 <a:ext uri="{FF2B5EF4-FFF2-40B4-BE49-F238E27FC236}">
-                  <a16:creationId xmlns="" xmlns:a16="http://schemas.microsoft.com/office/drawing/2014/main" id="{E7404F6D-3A40-4203-8F0A-6169C74FB4CA}"/>
+                  <a16:creationId xmlns:a16="http://schemas.microsoft.com/office/drawing/2014/main" xmlns="" id="{E7404F6D-3A40-4203-8F0A-6169C74FB4CA}"/>
                 </a:ext>
               </a:extLst>
             </p:cNvPr>
@@ -6819,7 +6822,7 @@
         <p:random/>
       </p:transition>
     </mc:Choice>
-    <mc:Fallback xmlns:a14="http://schemas.microsoft.com/office/drawing/2010/main" xmlns:a16="http://schemas.microsoft.com/office/drawing/2014/main" xmlns="">
+    <mc:Fallback xmlns="" xmlns:a16="http://schemas.microsoft.com/office/drawing/2014/main" xmlns:a14="http://schemas.microsoft.com/office/drawing/2010/main">
       <p:transition spd="slow" advTm="3414">
         <p:random/>
       </p:transition>
@@ -7043,7 +7046,7 @@
           <p:cNvPr id="2" name="矩形 1">
             <a:extLst>
               <a:ext uri="{FF2B5EF4-FFF2-40B4-BE49-F238E27FC236}">
-                <a16:creationId xmlns="" xmlns:a16="http://schemas.microsoft.com/office/drawing/2014/main" id="{6130B33B-FCB5-4AFA-8175-BA08126D80E1}"/>
+                <a16:creationId xmlns:a16="http://schemas.microsoft.com/office/drawing/2014/main" xmlns="" id="{6130B33B-FCB5-4AFA-8175-BA08126D80E1}"/>
               </a:ext>
             </a:extLst>
           </p:cNvPr>
@@ -7101,7 +7104,7 @@
           <p:cNvPr id="3" name="组合 2">
             <a:extLst>
               <a:ext uri="{FF2B5EF4-FFF2-40B4-BE49-F238E27FC236}">
-                <a16:creationId xmlns="" xmlns:a16="http://schemas.microsoft.com/office/drawing/2014/main" id="{CF3B8F59-C87E-48F7-911B-3FCC3B1922F9}"/>
+                <a16:creationId xmlns:a16="http://schemas.microsoft.com/office/drawing/2014/main" xmlns="" id="{CF3B8F59-C87E-48F7-911B-3FCC3B1922F9}"/>
               </a:ext>
             </a:extLst>
           </p:cNvPr>
@@ -7121,7 +7124,7 @@
             <p:cNvPr id="4" name="文本框 3">
               <a:extLst>
                 <a:ext uri="{FF2B5EF4-FFF2-40B4-BE49-F238E27FC236}">
-                  <a16:creationId xmlns="" xmlns:a16="http://schemas.microsoft.com/office/drawing/2014/main" id="{F069F7C5-7C6B-4416-BA43-7E9FF2B95F70}"/>
+                  <a16:creationId xmlns:a16="http://schemas.microsoft.com/office/drawing/2014/main" xmlns="" id="{F069F7C5-7C6B-4416-BA43-7E9FF2B95F70}"/>
                 </a:ext>
               </a:extLst>
             </p:cNvPr>
@@ -7149,7 +7152,21 @@
                   <a:cs typeface="+mn-ea"/>
                   <a:sym typeface="+mn-lt"/>
                 </a:rPr>
-                <a:t>溫室型式設計會員功能</a:t>
+                <a:t>處理</a:t>
+              </a:r>
+              <a:r>
+                <a:rPr lang="en-US" altLang="zh-TW" sz="4000" spc="400" dirty="0">
+                  <a:cs typeface="+mn-ea"/>
+                  <a:sym typeface="+mn-lt"/>
+                </a:rPr>
+                <a:t>&amp;</a:t>
+              </a:r>
+              <a:r>
+                <a:rPr lang="zh-TW" altLang="en-US" sz="4000" spc="400" dirty="0">
+                  <a:cs typeface="+mn-ea"/>
+                  <a:sym typeface="+mn-lt"/>
+                </a:rPr>
+                <a:t>顯示資料庫數值</a:t>
               </a:r>
               <a:endParaRPr lang="en-US" altLang="zh-TW" sz="4000" spc="400" dirty="0">
                 <a:cs typeface="+mn-ea"/>
@@ -7163,7 +7180,7 @@
             <p:cNvPr id="5" name="文本框 4">
               <a:extLst>
                 <a:ext uri="{FF2B5EF4-FFF2-40B4-BE49-F238E27FC236}">
-                  <a16:creationId xmlns="" xmlns:a16="http://schemas.microsoft.com/office/drawing/2014/main" id="{E7404F6D-3A40-4203-8F0A-6169C74FB4CA}"/>
+                  <a16:creationId xmlns:a16="http://schemas.microsoft.com/office/drawing/2014/main" xmlns="" id="{E7404F6D-3A40-4203-8F0A-6169C74FB4CA}"/>
                 </a:ext>
               </a:extLst>
             </p:cNvPr>
@@ -7274,7 +7291,7 @@
         <p:random/>
       </p:transition>
     </mc:Choice>
-    <mc:Fallback xmlns:a14="http://schemas.microsoft.com/office/drawing/2010/main" xmlns:a16="http://schemas.microsoft.com/office/drawing/2014/main" xmlns="">
+    <mc:Fallback xmlns="" xmlns:a16="http://schemas.microsoft.com/office/drawing/2014/main" xmlns:a14="http://schemas.microsoft.com/office/drawing/2010/main">
       <p:transition spd="slow" advTm="3414">
         <p:random/>
       </p:transition>
@@ -7444,7 +7461,7 @@
           <p:cNvPr id="18" name="矩形: 圆角 17">
             <a:extLst>
               <a:ext uri="{FF2B5EF4-FFF2-40B4-BE49-F238E27FC236}">
-                <a16:creationId xmlns="" xmlns:a16="http://schemas.microsoft.com/office/drawing/2014/main" id="{822EAB1A-0613-4B84-B43A-020769A84C2F}"/>
+                <a16:creationId xmlns:a16="http://schemas.microsoft.com/office/drawing/2014/main" xmlns="" id="{822EAB1A-0613-4B84-B43A-020769A84C2F}"/>
               </a:ext>
             </a:extLst>
           </p:cNvPr>
@@ -7535,7 +7552,7 @@
           <p:cNvPr id="4" name="矩形: 圆角 3">
             <a:extLst>
               <a:ext uri="{FF2B5EF4-FFF2-40B4-BE49-F238E27FC236}">
-                <a16:creationId xmlns="" xmlns:a16="http://schemas.microsoft.com/office/drawing/2014/main" id="{CFAF4C25-9AB4-4329-B21C-0F7CB88F0784}"/>
+                <a16:creationId xmlns:a16="http://schemas.microsoft.com/office/drawing/2014/main" xmlns="" id="{CFAF4C25-9AB4-4329-B21C-0F7CB88F0784}"/>
               </a:ext>
             </a:extLst>
           </p:cNvPr>
@@ -7626,7 +7643,7 @@
           <p:cNvPr id="7" name="文本框 6">
             <a:extLst>
               <a:ext uri="{FF2B5EF4-FFF2-40B4-BE49-F238E27FC236}">
-                <a16:creationId xmlns="" xmlns:a16="http://schemas.microsoft.com/office/drawing/2014/main" id="{D2947702-0219-4F74-958A-0A5A704ECCC4}"/>
+                <a16:creationId xmlns:a16="http://schemas.microsoft.com/office/drawing/2014/main" xmlns="" id="{D2947702-0219-4F74-958A-0A5A704ECCC4}"/>
               </a:ext>
             </a:extLst>
           </p:cNvPr>
@@ -7703,7 +7720,7 @@
           <p:cNvPr id="8" name="椭圆 7">
             <a:extLst>
               <a:ext uri="{FF2B5EF4-FFF2-40B4-BE49-F238E27FC236}">
-                <a16:creationId xmlns="" xmlns:a16="http://schemas.microsoft.com/office/drawing/2014/main" id="{08B93554-9443-4291-83BC-91BEC5088783}"/>
+                <a16:creationId xmlns:a16="http://schemas.microsoft.com/office/drawing/2014/main" xmlns="" id="{08B93554-9443-4291-83BC-91BEC5088783}"/>
               </a:ext>
             </a:extLst>
           </p:cNvPr>
@@ -7790,7 +7807,7 @@
           <p:cNvPr id="9" name="椭圆 8">
             <a:extLst>
               <a:ext uri="{FF2B5EF4-FFF2-40B4-BE49-F238E27FC236}">
-                <a16:creationId xmlns="" xmlns:a16="http://schemas.microsoft.com/office/drawing/2014/main" id="{16338DEE-2916-4AC7-A537-1507B9F2A824}"/>
+                <a16:creationId xmlns:a16="http://schemas.microsoft.com/office/drawing/2014/main" xmlns="" id="{16338DEE-2916-4AC7-A537-1507B9F2A824}"/>
               </a:ext>
             </a:extLst>
           </p:cNvPr>
@@ -7891,7 +7908,7 @@
         <p:random/>
       </p:transition>
     </mc:Choice>
-    <mc:Fallback xmlns:a16="http://schemas.microsoft.com/office/drawing/2014/main" xmlns="">
+    <mc:Fallback xmlns="" xmlns:a16="http://schemas.microsoft.com/office/drawing/2014/main">
       <p:transition spd="slow" advTm="3880">
         <p:random/>
       </p:transition>
@@ -8257,7 +8274,7 @@
   <a:extraClrSchemeLst/>
   <a:extLst>
     <a:ext uri="{05A4C25C-085E-4340-85A3-A5531E510DB2}">
-      <thm15:themeFamily xmlns="" xmlns:thm15="http://schemas.microsoft.com/office/thememl/2012/main" name="Office Theme" id="{62F939B6-93AF-4DB8-9C6B-D6C7DFDC589F}" vid="{4A3C46E8-61CC-4603-A589-7422A47A8E4A}"/>
+      <thm15:themeFamily xmlns:thm15="http://schemas.microsoft.com/office/thememl/2012/main" xmlns="" name="Office Theme" id="{62F939B6-93AF-4DB8-9C6B-D6C7DFDC589F}" vid="{4A3C46E8-61CC-4603-A589-7422A47A8E4A}"/>
     </a:ext>
   </a:extLst>
 </a:theme>
@@ -8803,7 +8820,7 @@
   <a:extraClrSchemeLst/>
   <a:extLst>
     <a:ext uri="{05A4C25C-085E-4340-85A3-A5531E510DB2}">
-      <thm15:themeFamily xmlns="" xmlns:thm15="http://schemas.microsoft.com/office/thememl/2012/main" name="Office Theme" id="{62F939B6-93AF-4DB8-9C6B-D6C7DFDC589F}" vid="{4A3C46E8-61CC-4603-A589-7422A47A8E4A}"/>
+      <thm15:themeFamily xmlns:thm15="http://schemas.microsoft.com/office/thememl/2012/main" xmlns="" name="Office Theme" id="{62F939B6-93AF-4DB8-9C6B-D6C7DFDC589F}" vid="{4A3C46E8-61CC-4603-A589-7422A47A8E4A}"/>
     </a:ext>
   </a:extLst>
 </a:theme>

--- a/工作日報_葉柏漢/2021.10/2021.10.09(假日加班)工作日報_葉柏漢.pptx
+++ b/工作日報_葉柏漢/2021.10/2021.10.09(假日加班)工作日報_葉柏漢.pptx
@@ -114,7 +114,7 @@
   </p:defaultTextStyle>
   <p:extLst>
     <p:ext uri="{EFAFB233-063F-42B5-8137-9DF3F51BA10A}">
-      <p15:sldGuideLst xmlns:p15="http://schemas.microsoft.com/office/powerpoint/2012/main" xmlns="">
+      <p15:sldGuideLst xmlns="" xmlns:p15="http://schemas.microsoft.com/office/powerpoint/2012/main">
         <p15:guide id="1" orient="horz" pos="2160" userDrawn="1">
           <p15:clr>
             <a:srgbClr val="A4A3A4"/>
@@ -4544,7 +4544,7 @@
           <p:cNvPr id="18" name="矩形: 圆角 17">
             <a:extLst>
               <a:ext uri="{FF2B5EF4-FFF2-40B4-BE49-F238E27FC236}">
-                <a16:creationId xmlns:a16="http://schemas.microsoft.com/office/drawing/2014/main" xmlns="" id="{822EAB1A-0613-4B84-B43A-020769A84C2F}"/>
+                <a16:creationId xmlns="" xmlns:a16="http://schemas.microsoft.com/office/drawing/2014/main" id="{822EAB1A-0613-4B84-B43A-020769A84C2F}"/>
               </a:ext>
             </a:extLst>
           </p:cNvPr>
@@ -4610,7 +4610,7 @@
           <p:cNvPr id="4" name="矩形: 圆角 3">
             <a:extLst>
               <a:ext uri="{FF2B5EF4-FFF2-40B4-BE49-F238E27FC236}">
-                <a16:creationId xmlns:a16="http://schemas.microsoft.com/office/drawing/2014/main" xmlns="" id="{CFAF4C25-9AB4-4329-B21C-0F7CB88F0784}"/>
+                <a16:creationId xmlns="" xmlns:a16="http://schemas.microsoft.com/office/drawing/2014/main" id="{CFAF4C25-9AB4-4329-B21C-0F7CB88F0784}"/>
               </a:ext>
             </a:extLst>
           </p:cNvPr>
@@ -4676,7 +4676,7 @@
           <p:cNvPr id="5" name="文本框 4">
             <a:extLst>
               <a:ext uri="{FF2B5EF4-FFF2-40B4-BE49-F238E27FC236}">
-                <a16:creationId xmlns:a16="http://schemas.microsoft.com/office/drawing/2014/main" xmlns="" id="{959F8909-6800-4D81-9559-FFAEB41A80C1}"/>
+                <a16:creationId xmlns="" xmlns:a16="http://schemas.microsoft.com/office/drawing/2014/main" id="{959F8909-6800-4D81-9559-FFAEB41A80C1}"/>
               </a:ext>
             </a:extLst>
           </p:cNvPr>
@@ -4740,7 +4740,7 @@
           <p:cNvPr id="6" name="文本框 5">
             <a:extLst>
               <a:ext uri="{FF2B5EF4-FFF2-40B4-BE49-F238E27FC236}">
-                <a16:creationId xmlns:a16="http://schemas.microsoft.com/office/drawing/2014/main" xmlns="" id="{F8829203-F363-4337-ACAC-0D2C4AE6A337}"/>
+                <a16:creationId xmlns="" xmlns:a16="http://schemas.microsoft.com/office/drawing/2014/main" id="{F8829203-F363-4337-ACAC-0D2C4AE6A337}"/>
               </a:ext>
             </a:extLst>
           </p:cNvPr>
@@ -4807,7 +4807,7 @@
           <p:cNvPr id="8" name="椭圆 7">
             <a:extLst>
               <a:ext uri="{FF2B5EF4-FFF2-40B4-BE49-F238E27FC236}">
-                <a16:creationId xmlns:a16="http://schemas.microsoft.com/office/drawing/2014/main" xmlns="" id="{08B93554-9443-4291-83BC-91BEC5088783}"/>
+                <a16:creationId xmlns="" xmlns:a16="http://schemas.microsoft.com/office/drawing/2014/main" id="{08B93554-9443-4291-83BC-91BEC5088783}"/>
               </a:ext>
             </a:extLst>
           </p:cNvPr>
@@ -4869,7 +4869,7 @@
           <p:cNvPr id="9" name="椭圆 8">
             <a:extLst>
               <a:ext uri="{FF2B5EF4-FFF2-40B4-BE49-F238E27FC236}">
-                <a16:creationId xmlns:a16="http://schemas.microsoft.com/office/drawing/2014/main" xmlns="" id="{16338DEE-2916-4AC7-A537-1507B9F2A824}"/>
+                <a16:creationId xmlns="" xmlns:a16="http://schemas.microsoft.com/office/drawing/2014/main" id="{16338DEE-2916-4AC7-A537-1507B9F2A824}"/>
               </a:ext>
             </a:extLst>
           </p:cNvPr>
@@ -4931,7 +4931,7 @@
           <p:cNvPr id="13" name="组合 12">
             <a:extLst>
               <a:ext uri="{FF2B5EF4-FFF2-40B4-BE49-F238E27FC236}">
-                <a16:creationId xmlns:a16="http://schemas.microsoft.com/office/drawing/2014/main" xmlns="" id="{C0EF9AE3-F1B9-443C-9F86-CDF322936010}"/>
+                <a16:creationId xmlns="" xmlns:a16="http://schemas.microsoft.com/office/drawing/2014/main" id="{C0EF9AE3-F1B9-443C-9F86-CDF322936010}"/>
               </a:ext>
             </a:extLst>
           </p:cNvPr>
@@ -4951,7 +4951,7 @@
             <p:cNvPr id="12" name="矩形: 圆角 11">
               <a:extLst>
                 <a:ext uri="{FF2B5EF4-FFF2-40B4-BE49-F238E27FC236}">
-                  <a16:creationId xmlns:a16="http://schemas.microsoft.com/office/drawing/2014/main" xmlns="" id="{4E9D624C-B884-49D6-955A-058878E5E13C}"/>
+                  <a16:creationId xmlns="" xmlns:a16="http://schemas.microsoft.com/office/drawing/2014/main" id="{4E9D624C-B884-49D6-955A-058878E5E13C}"/>
                 </a:ext>
               </a:extLst>
             </p:cNvPr>
@@ -5015,7 +5015,7 @@
             <p:cNvPr id="10" name="文本框 9">
               <a:extLst>
                 <a:ext uri="{FF2B5EF4-FFF2-40B4-BE49-F238E27FC236}">
-                  <a16:creationId xmlns:a16="http://schemas.microsoft.com/office/drawing/2014/main" xmlns="" id="{D7F488F0-218D-4123-B444-742EAD00AD0E}"/>
+                  <a16:creationId xmlns="" xmlns:a16="http://schemas.microsoft.com/office/drawing/2014/main" id="{D7F488F0-218D-4123-B444-742EAD00AD0E}"/>
                 </a:ext>
               </a:extLst>
             </p:cNvPr>
@@ -5073,7 +5073,7 @@
           <p:cNvPr id="16" name="组合 15">
             <a:extLst>
               <a:ext uri="{FF2B5EF4-FFF2-40B4-BE49-F238E27FC236}">
-                <a16:creationId xmlns:a16="http://schemas.microsoft.com/office/drawing/2014/main" xmlns="" id="{9653DEAF-0910-48E8-8375-9FC078E9D0D6}"/>
+                <a16:creationId xmlns="" xmlns:a16="http://schemas.microsoft.com/office/drawing/2014/main" id="{9653DEAF-0910-48E8-8375-9FC078E9D0D6}"/>
               </a:ext>
             </a:extLst>
           </p:cNvPr>
@@ -5093,7 +5093,7 @@
             <p:cNvPr id="15" name="矩形: 圆角 14">
               <a:extLst>
                 <a:ext uri="{FF2B5EF4-FFF2-40B4-BE49-F238E27FC236}">
-                  <a16:creationId xmlns:a16="http://schemas.microsoft.com/office/drawing/2014/main" xmlns="" id="{CC29E14A-0550-4BFF-99D2-A94938E4EB84}"/>
+                  <a16:creationId xmlns="" xmlns:a16="http://schemas.microsoft.com/office/drawing/2014/main" id="{CC29E14A-0550-4BFF-99D2-A94938E4EB84}"/>
                 </a:ext>
               </a:extLst>
             </p:cNvPr>
@@ -5157,7 +5157,7 @@
             <p:cNvPr id="11" name="文本框 10">
               <a:extLst>
                 <a:ext uri="{FF2B5EF4-FFF2-40B4-BE49-F238E27FC236}">
-                  <a16:creationId xmlns:a16="http://schemas.microsoft.com/office/drawing/2014/main" xmlns="" id="{333307C3-A861-42E7-A2DA-6BAC1BCA9E3C}"/>
+                  <a16:creationId xmlns="" xmlns:a16="http://schemas.microsoft.com/office/drawing/2014/main" id="{333307C3-A861-42E7-A2DA-6BAC1BCA9E3C}"/>
                 </a:ext>
               </a:extLst>
             </p:cNvPr>
@@ -5215,7 +5215,7 @@
           <p:cNvPr id="17" name="组合 15">
             <a:extLst>
               <a:ext uri="{FF2B5EF4-FFF2-40B4-BE49-F238E27FC236}">
-                <a16:creationId xmlns:a16="http://schemas.microsoft.com/office/drawing/2014/main" xmlns="" id="{9653DEAF-0910-48E8-8375-9FC078E9D0D6}"/>
+                <a16:creationId xmlns="" xmlns:a16="http://schemas.microsoft.com/office/drawing/2014/main" id="{9653DEAF-0910-48E8-8375-9FC078E9D0D6}"/>
               </a:ext>
             </a:extLst>
           </p:cNvPr>
@@ -5235,7 +5235,7 @@
             <p:cNvPr id="19" name="矩形: 圆角 14">
               <a:extLst>
                 <a:ext uri="{FF2B5EF4-FFF2-40B4-BE49-F238E27FC236}">
-                  <a16:creationId xmlns:a16="http://schemas.microsoft.com/office/drawing/2014/main" xmlns="" id="{CC29E14A-0550-4BFF-99D2-A94938E4EB84}"/>
+                  <a16:creationId xmlns="" xmlns:a16="http://schemas.microsoft.com/office/drawing/2014/main" id="{CC29E14A-0550-4BFF-99D2-A94938E4EB84}"/>
                 </a:ext>
               </a:extLst>
             </p:cNvPr>
@@ -5299,7 +5299,7 @@
             <p:cNvPr id="20" name="文本框 10">
               <a:extLst>
                 <a:ext uri="{FF2B5EF4-FFF2-40B4-BE49-F238E27FC236}">
-                  <a16:creationId xmlns:a16="http://schemas.microsoft.com/office/drawing/2014/main" xmlns="" id="{333307C3-A861-42E7-A2DA-6BAC1BCA9E3C}"/>
+                  <a16:creationId xmlns="" xmlns:a16="http://schemas.microsoft.com/office/drawing/2014/main" id="{333307C3-A861-42E7-A2DA-6BAC1BCA9E3C}"/>
                 </a:ext>
               </a:extLst>
             </p:cNvPr>
@@ -5378,7 +5378,7 @@
         <p:random/>
       </p:transition>
     </mc:Choice>
-    <mc:Fallback xmlns="" xmlns:a16="http://schemas.microsoft.com/office/drawing/2014/main">
+    <mc:Fallback xmlns:a16="http://schemas.microsoft.com/office/drawing/2014/main" xmlns="">
       <p:transition spd="slow" advTm="4078">
         <p:random/>
       </p:transition>
@@ -5835,7 +5835,7 @@
           <p:cNvPr id="7" name="组合 6">
             <a:extLst>
               <a:ext uri="{FF2B5EF4-FFF2-40B4-BE49-F238E27FC236}">
-                <a16:creationId xmlns:a16="http://schemas.microsoft.com/office/drawing/2014/main" xmlns="" id="{5016DF47-4C78-4917-983C-FFC43C3A22DB}"/>
+                <a16:creationId xmlns="" xmlns:a16="http://schemas.microsoft.com/office/drawing/2014/main" id="{5016DF47-4C78-4917-983C-FFC43C3A22DB}"/>
               </a:ext>
             </a:extLst>
           </p:cNvPr>
@@ -5855,7 +5855,7 @@
             <p:cNvPr id="4" name="文本框 3">
               <a:extLst>
                 <a:ext uri="{FF2B5EF4-FFF2-40B4-BE49-F238E27FC236}">
-                  <a16:creationId xmlns:a16="http://schemas.microsoft.com/office/drawing/2014/main" xmlns="" id="{09FE6907-8676-429A-9B5A-DC3FAFE110A8}"/>
+                  <a16:creationId xmlns="" xmlns:a16="http://schemas.microsoft.com/office/drawing/2014/main" id="{09FE6907-8676-429A-9B5A-DC3FAFE110A8}"/>
                 </a:ext>
               </a:extLst>
             </p:cNvPr>
@@ -5897,7 +5897,7 @@
             <p:cNvPr id="6" name="文本框 5">
               <a:extLst>
                 <a:ext uri="{FF2B5EF4-FFF2-40B4-BE49-F238E27FC236}">
-                  <a16:creationId xmlns:a16="http://schemas.microsoft.com/office/drawing/2014/main" xmlns="" id="{6123FD62-F930-464F-86A1-4D1030B58358}"/>
+                  <a16:creationId xmlns="" xmlns:a16="http://schemas.microsoft.com/office/drawing/2014/main" id="{6123FD62-F930-464F-86A1-4D1030B58358}"/>
                 </a:ext>
               </a:extLst>
             </p:cNvPr>
@@ -5954,7 +5954,7 @@
           <p:cNvPr id="8" name="文本框 7">
             <a:extLst>
               <a:ext uri="{FF2B5EF4-FFF2-40B4-BE49-F238E27FC236}">
-                <a16:creationId xmlns:a16="http://schemas.microsoft.com/office/drawing/2014/main" xmlns="" id="{61D68AC2-6217-4618-9FF2-2840E7AAD8C2}"/>
+                <a16:creationId xmlns="" xmlns:a16="http://schemas.microsoft.com/office/drawing/2014/main" id="{61D68AC2-6217-4618-9FF2-2840E7AAD8C2}"/>
               </a:ext>
             </a:extLst>
           </p:cNvPr>
@@ -6058,7 +6058,7 @@
         <p:random/>
       </p:transition>
     </mc:Choice>
-    <mc:Fallback xmlns="" xmlns:a16="http://schemas.microsoft.com/office/drawing/2014/main" xmlns:a14="http://schemas.microsoft.com/office/drawing/2010/main">
+    <mc:Fallback xmlns:a14="http://schemas.microsoft.com/office/drawing/2010/main" xmlns:a16="http://schemas.microsoft.com/office/drawing/2014/main" xmlns="">
       <p:transition spd="slow" advTm="4024">
         <p:random/>
       </p:transition>
@@ -6228,7 +6228,7 @@
           <p:cNvPr id="2" name="矩形 1">
             <a:extLst>
               <a:ext uri="{FF2B5EF4-FFF2-40B4-BE49-F238E27FC236}">
-                <a16:creationId xmlns:a16="http://schemas.microsoft.com/office/drawing/2014/main" xmlns="" id="{6130B33B-FCB5-4AFA-8175-BA08126D80E1}"/>
+                <a16:creationId xmlns="" xmlns:a16="http://schemas.microsoft.com/office/drawing/2014/main" id="{6130B33B-FCB5-4AFA-8175-BA08126D80E1}"/>
               </a:ext>
             </a:extLst>
           </p:cNvPr>
@@ -6286,7 +6286,7 @@
           <p:cNvPr id="3" name="组合 2">
             <a:extLst>
               <a:ext uri="{FF2B5EF4-FFF2-40B4-BE49-F238E27FC236}">
-                <a16:creationId xmlns:a16="http://schemas.microsoft.com/office/drawing/2014/main" xmlns="" id="{CF3B8F59-C87E-48F7-911B-3FCC3B1922F9}"/>
+                <a16:creationId xmlns="" xmlns:a16="http://schemas.microsoft.com/office/drawing/2014/main" id="{CF3B8F59-C87E-48F7-911B-3FCC3B1922F9}"/>
               </a:ext>
             </a:extLst>
           </p:cNvPr>
@@ -6306,7 +6306,7 @@
             <p:cNvPr id="4" name="文本框 3">
               <a:extLst>
                 <a:ext uri="{FF2B5EF4-FFF2-40B4-BE49-F238E27FC236}">
-                  <a16:creationId xmlns:a16="http://schemas.microsoft.com/office/drawing/2014/main" xmlns="" id="{F069F7C5-7C6B-4416-BA43-7E9FF2B95F70}"/>
+                  <a16:creationId xmlns="" xmlns:a16="http://schemas.microsoft.com/office/drawing/2014/main" id="{F069F7C5-7C6B-4416-BA43-7E9FF2B95F70}"/>
                 </a:ext>
               </a:extLst>
             </p:cNvPr>
@@ -6368,7 +6368,7 @@
             <p:cNvPr id="5" name="文本框 4">
               <a:extLst>
                 <a:ext uri="{FF2B5EF4-FFF2-40B4-BE49-F238E27FC236}">
-                  <a16:creationId xmlns:a16="http://schemas.microsoft.com/office/drawing/2014/main" xmlns="" id="{E7404F6D-3A40-4203-8F0A-6169C74FB4CA}"/>
+                  <a16:creationId xmlns="" xmlns:a16="http://schemas.microsoft.com/office/drawing/2014/main" id="{E7404F6D-3A40-4203-8F0A-6169C74FB4CA}"/>
                 </a:ext>
               </a:extLst>
             </p:cNvPr>
@@ -6822,7 +6822,7 @@
         <p:random/>
       </p:transition>
     </mc:Choice>
-    <mc:Fallback xmlns="" xmlns:a16="http://schemas.microsoft.com/office/drawing/2014/main" xmlns:a14="http://schemas.microsoft.com/office/drawing/2010/main">
+    <mc:Fallback xmlns:a14="http://schemas.microsoft.com/office/drawing/2010/main" xmlns:a16="http://schemas.microsoft.com/office/drawing/2014/main" xmlns="">
       <p:transition spd="slow" advTm="3414">
         <p:random/>
       </p:transition>
@@ -7046,7 +7046,7 @@
           <p:cNvPr id="2" name="矩形 1">
             <a:extLst>
               <a:ext uri="{FF2B5EF4-FFF2-40B4-BE49-F238E27FC236}">
-                <a16:creationId xmlns:a16="http://schemas.microsoft.com/office/drawing/2014/main" xmlns="" id="{6130B33B-FCB5-4AFA-8175-BA08126D80E1}"/>
+                <a16:creationId xmlns="" xmlns:a16="http://schemas.microsoft.com/office/drawing/2014/main" id="{6130B33B-FCB5-4AFA-8175-BA08126D80E1}"/>
               </a:ext>
             </a:extLst>
           </p:cNvPr>
@@ -7104,7 +7104,7 @@
           <p:cNvPr id="3" name="组合 2">
             <a:extLst>
               <a:ext uri="{FF2B5EF4-FFF2-40B4-BE49-F238E27FC236}">
-                <a16:creationId xmlns:a16="http://schemas.microsoft.com/office/drawing/2014/main" xmlns="" id="{CF3B8F59-C87E-48F7-911B-3FCC3B1922F9}"/>
+                <a16:creationId xmlns="" xmlns:a16="http://schemas.microsoft.com/office/drawing/2014/main" id="{CF3B8F59-C87E-48F7-911B-3FCC3B1922F9}"/>
               </a:ext>
             </a:extLst>
           </p:cNvPr>
@@ -7124,7 +7124,7 @@
             <p:cNvPr id="4" name="文本框 3">
               <a:extLst>
                 <a:ext uri="{FF2B5EF4-FFF2-40B4-BE49-F238E27FC236}">
-                  <a16:creationId xmlns:a16="http://schemas.microsoft.com/office/drawing/2014/main" xmlns="" id="{F069F7C5-7C6B-4416-BA43-7E9FF2B95F70}"/>
+                  <a16:creationId xmlns="" xmlns:a16="http://schemas.microsoft.com/office/drawing/2014/main" id="{F069F7C5-7C6B-4416-BA43-7E9FF2B95F70}"/>
                 </a:ext>
               </a:extLst>
             </p:cNvPr>
@@ -7180,7 +7180,7 @@
             <p:cNvPr id="5" name="文本框 4">
               <a:extLst>
                 <a:ext uri="{FF2B5EF4-FFF2-40B4-BE49-F238E27FC236}">
-                  <a16:creationId xmlns:a16="http://schemas.microsoft.com/office/drawing/2014/main" xmlns="" id="{E7404F6D-3A40-4203-8F0A-6169C74FB4CA}"/>
+                  <a16:creationId xmlns="" xmlns:a16="http://schemas.microsoft.com/office/drawing/2014/main" id="{E7404F6D-3A40-4203-8F0A-6169C74FB4CA}"/>
                 </a:ext>
               </a:extLst>
             </p:cNvPr>
@@ -7291,7 +7291,7 @@
         <p:random/>
       </p:transition>
     </mc:Choice>
-    <mc:Fallback xmlns="" xmlns:a16="http://schemas.microsoft.com/office/drawing/2014/main" xmlns:a14="http://schemas.microsoft.com/office/drawing/2010/main">
+    <mc:Fallback xmlns:a14="http://schemas.microsoft.com/office/drawing/2010/main" xmlns:a16="http://schemas.microsoft.com/office/drawing/2014/main" xmlns="">
       <p:transition spd="slow" advTm="3414">
         <p:random/>
       </p:transition>
@@ -7461,7 +7461,7 @@
           <p:cNvPr id="18" name="矩形: 圆角 17">
             <a:extLst>
               <a:ext uri="{FF2B5EF4-FFF2-40B4-BE49-F238E27FC236}">
-                <a16:creationId xmlns:a16="http://schemas.microsoft.com/office/drawing/2014/main" xmlns="" id="{822EAB1A-0613-4B84-B43A-020769A84C2F}"/>
+                <a16:creationId xmlns="" xmlns:a16="http://schemas.microsoft.com/office/drawing/2014/main" id="{822EAB1A-0613-4B84-B43A-020769A84C2F}"/>
               </a:ext>
             </a:extLst>
           </p:cNvPr>
@@ -7552,7 +7552,7 @@
           <p:cNvPr id="4" name="矩形: 圆角 3">
             <a:extLst>
               <a:ext uri="{FF2B5EF4-FFF2-40B4-BE49-F238E27FC236}">
-                <a16:creationId xmlns:a16="http://schemas.microsoft.com/office/drawing/2014/main" xmlns="" id="{CFAF4C25-9AB4-4329-B21C-0F7CB88F0784}"/>
+                <a16:creationId xmlns="" xmlns:a16="http://schemas.microsoft.com/office/drawing/2014/main" id="{CFAF4C25-9AB4-4329-B21C-0F7CB88F0784}"/>
               </a:ext>
             </a:extLst>
           </p:cNvPr>
@@ -7643,7 +7643,7 @@
           <p:cNvPr id="7" name="文本框 6">
             <a:extLst>
               <a:ext uri="{FF2B5EF4-FFF2-40B4-BE49-F238E27FC236}">
-                <a16:creationId xmlns:a16="http://schemas.microsoft.com/office/drawing/2014/main" xmlns="" id="{D2947702-0219-4F74-958A-0A5A704ECCC4}"/>
+                <a16:creationId xmlns="" xmlns:a16="http://schemas.microsoft.com/office/drawing/2014/main" id="{D2947702-0219-4F74-958A-0A5A704ECCC4}"/>
               </a:ext>
             </a:extLst>
           </p:cNvPr>
@@ -7720,7 +7720,7 @@
           <p:cNvPr id="8" name="椭圆 7">
             <a:extLst>
               <a:ext uri="{FF2B5EF4-FFF2-40B4-BE49-F238E27FC236}">
-                <a16:creationId xmlns:a16="http://schemas.microsoft.com/office/drawing/2014/main" xmlns="" id="{08B93554-9443-4291-83BC-91BEC5088783}"/>
+                <a16:creationId xmlns="" xmlns:a16="http://schemas.microsoft.com/office/drawing/2014/main" id="{08B93554-9443-4291-83BC-91BEC5088783}"/>
               </a:ext>
             </a:extLst>
           </p:cNvPr>
@@ -7807,7 +7807,7 @@
           <p:cNvPr id="9" name="椭圆 8">
             <a:extLst>
               <a:ext uri="{FF2B5EF4-FFF2-40B4-BE49-F238E27FC236}">
-                <a16:creationId xmlns:a16="http://schemas.microsoft.com/office/drawing/2014/main" xmlns="" id="{16338DEE-2916-4AC7-A537-1507B9F2A824}"/>
+                <a16:creationId xmlns="" xmlns:a16="http://schemas.microsoft.com/office/drawing/2014/main" id="{16338DEE-2916-4AC7-A537-1507B9F2A824}"/>
               </a:ext>
             </a:extLst>
           </p:cNvPr>
@@ -7908,7 +7908,7 @@
         <p:random/>
       </p:transition>
     </mc:Choice>
-    <mc:Fallback xmlns="" xmlns:a16="http://schemas.microsoft.com/office/drawing/2014/main">
+    <mc:Fallback xmlns:a16="http://schemas.microsoft.com/office/drawing/2014/main" xmlns="">
       <p:transition spd="slow" advTm="3880">
         <p:random/>
       </p:transition>
@@ -8274,7 +8274,7 @@
   <a:extraClrSchemeLst/>
   <a:extLst>
     <a:ext uri="{05A4C25C-085E-4340-85A3-A5531E510DB2}">
-      <thm15:themeFamily xmlns:thm15="http://schemas.microsoft.com/office/thememl/2012/main" xmlns="" name="Office Theme" id="{62F939B6-93AF-4DB8-9C6B-D6C7DFDC589F}" vid="{4A3C46E8-61CC-4603-A589-7422A47A8E4A}"/>
+      <thm15:themeFamily xmlns="" xmlns:thm15="http://schemas.microsoft.com/office/thememl/2012/main" name="Office Theme" id="{62F939B6-93AF-4DB8-9C6B-D6C7DFDC589F}" vid="{4A3C46E8-61CC-4603-A589-7422A47A8E4A}"/>
     </a:ext>
   </a:extLst>
 </a:theme>
@@ -8820,7 +8820,7 @@
   <a:extraClrSchemeLst/>
   <a:extLst>
     <a:ext uri="{05A4C25C-085E-4340-85A3-A5531E510DB2}">
-      <thm15:themeFamily xmlns:thm15="http://schemas.microsoft.com/office/thememl/2012/main" xmlns="" name="Office Theme" id="{62F939B6-93AF-4DB8-9C6B-D6C7DFDC589F}" vid="{4A3C46E8-61CC-4603-A589-7422A47A8E4A}"/>
+      <thm15:themeFamily xmlns="" xmlns:thm15="http://schemas.microsoft.com/office/thememl/2012/main" name="Office Theme" id="{62F939B6-93AF-4DB8-9C6B-D6C7DFDC589F}" vid="{4A3C46E8-61CC-4603-A589-7422A47A8E4A}"/>
     </a:ext>
   </a:extLst>
 </a:theme>
